--- a/share/presentations/Java 2/Danny.pptx
+++ b/share/presentations/Java 2/Danny.pptx
@@ -11,6 +11,8 @@
     <p:sldId id="263" r:id="rId5"/>
     <p:sldId id="262" r:id="rId6"/>
     <p:sldId id="261" r:id="rId7"/>
+    <p:sldId id="264" r:id="rId8"/>
+    <p:sldId id="265" r:id="rId9"/>
   </p:sldIdLst>
   <p:sldSz cx="12192000" cy="6858000"/>
   <p:notesSz cx="6858000" cy="9144000"/>
@@ -109,6 +111,11 @@
       </a:defRPr>
     </a:lvl9pPr>
   </p:defaultTextStyle>
+  <p:extLst>
+    <p:ext uri="{EFAFB233-063F-42B5-8137-9DF3F51BA10A}">
+      <p15:sldGuideLst xmlns:p15="http://schemas.microsoft.com/office/powerpoint/2012/main"/>
+    </p:ext>
+  </p:extLst>
 </p:presentation>
 </file>
 
@@ -259,7 +266,7 @@
           <a:p>
             <a:fld id="{D42BF327-0ADF-46A8-9F99-FDCA6FC92FE4}" type="datetimeFigureOut">
               <a:rPr lang="de-DE" smtClean="0"/>
-              <a:t>13.06.2020</a:t>
+              <a:t>14.06.2020</a:t>
             </a:fld>
             <a:endParaRPr lang="de-DE"/>
           </a:p>
@@ -457,7 +464,7 @@
           <a:p>
             <a:fld id="{D42BF327-0ADF-46A8-9F99-FDCA6FC92FE4}" type="datetimeFigureOut">
               <a:rPr lang="de-DE" smtClean="0"/>
-              <a:t>13.06.2020</a:t>
+              <a:t>14.06.2020</a:t>
             </a:fld>
             <a:endParaRPr lang="de-DE"/>
           </a:p>
@@ -665,7 +672,7 @@
           <a:p>
             <a:fld id="{D42BF327-0ADF-46A8-9F99-FDCA6FC92FE4}" type="datetimeFigureOut">
               <a:rPr lang="de-DE" smtClean="0"/>
-              <a:t>13.06.2020</a:t>
+              <a:t>14.06.2020</a:t>
             </a:fld>
             <a:endParaRPr lang="de-DE"/>
           </a:p>
@@ -863,7 +870,7 @@
           <a:p>
             <a:fld id="{D42BF327-0ADF-46A8-9F99-FDCA6FC92FE4}" type="datetimeFigureOut">
               <a:rPr lang="de-DE" smtClean="0"/>
-              <a:t>13.06.2020</a:t>
+              <a:t>14.06.2020</a:t>
             </a:fld>
             <a:endParaRPr lang="de-DE"/>
           </a:p>
@@ -1138,7 +1145,7 @@
           <a:p>
             <a:fld id="{D42BF327-0ADF-46A8-9F99-FDCA6FC92FE4}" type="datetimeFigureOut">
               <a:rPr lang="de-DE" smtClean="0"/>
-              <a:t>13.06.2020</a:t>
+              <a:t>14.06.2020</a:t>
             </a:fld>
             <a:endParaRPr lang="de-DE"/>
           </a:p>
@@ -1403,7 +1410,7 @@
           <a:p>
             <a:fld id="{D42BF327-0ADF-46A8-9F99-FDCA6FC92FE4}" type="datetimeFigureOut">
               <a:rPr lang="de-DE" smtClean="0"/>
-              <a:t>13.06.2020</a:t>
+              <a:t>14.06.2020</a:t>
             </a:fld>
             <a:endParaRPr lang="de-DE"/>
           </a:p>
@@ -1815,7 +1822,7 @@
           <a:p>
             <a:fld id="{D42BF327-0ADF-46A8-9F99-FDCA6FC92FE4}" type="datetimeFigureOut">
               <a:rPr lang="de-DE" smtClean="0"/>
-              <a:t>13.06.2020</a:t>
+              <a:t>14.06.2020</a:t>
             </a:fld>
             <a:endParaRPr lang="de-DE"/>
           </a:p>
@@ -1956,7 +1963,7 @@
           <a:p>
             <a:fld id="{D42BF327-0ADF-46A8-9F99-FDCA6FC92FE4}" type="datetimeFigureOut">
               <a:rPr lang="de-DE" smtClean="0"/>
-              <a:t>13.06.2020</a:t>
+              <a:t>14.06.2020</a:t>
             </a:fld>
             <a:endParaRPr lang="de-DE"/>
           </a:p>
@@ -2069,7 +2076,7 @@
           <a:p>
             <a:fld id="{D42BF327-0ADF-46A8-9F99-FDCA6FC92FE4}" type="datetimeFigureOut">
               <a:rPr lang="de-DE" smtClean="0"/>
-              <a:t>13.06.2020</a:t>
+              <a:t>14.06.2020</a:t>
             </a:fld>
             <a:endParaRPr lang="de-DE"/>
           </a:p>
@@ -2380,7 +2387,7 @@
           <a:p>
             <a:fld id="{D42BF327-0ADF-46A8-9F99-FDCA6FC92FE4}" type="datetimeFigureOut">
               <a:rPr lang="de-DE" smtClean="0"/>
-              <a:t>13.06.2020</a:t>
+              <a:t>14.06.2020</a:t>
             </a:fld>
             <a:endParaRPr lang="de-DE"/>
           </a:p>
@@ -2668,7 +2675,7 @@
           <a:p>
             <a:fld id="{D42BF327-0ADF-46A8-9F99-FDCA6FC92FE4}" type="datetimeFigureOut">
               <a:rPr lang="de-DE" smtClean="0"/>
-              <a:t>13.06.2020</a:t>
+              <a:t>14.06.2020</a:t>
             </a:fld>
             <a:endParaRPr lang="de-DE"/>
           </a:p>
@@ -2909,7 +2916,7 @@
           <a:p>
             <a:fld id="{D42BF327-0ADF-46A8-9F99-FDCA6FC92FE4}" type="datetimeFigureOut">
               <a:rPr lang="de-DE" smtClean="0"/>
-              <a:t>13.06.2020</a:t>
+              <a:t>14.06.2020</a:t>
             </a:fld>
             <a:endParaRPr lang="de-DE"/>
           </a:p>
@@ -3754,6 +3761,165 @@
 </p:sld>
 </file>
 
+<file path=ppt/slides/slide7.xml><?xml version="1.0" encoding="utf-8"?>
+<p:sld xmlns:a="http://schemas.openxmlformats.org/drawingml/2006/main" xmlns:r="http://schemas.openxmlformats.org/officeDocument/2006/relationships" xmlns:p="http://schemas.openxmlformats.org/presentationml/2006/main">
+  <p:cSld>
+    <p:spTree>
+      <p:nvGrpSpPr>
+        <p:cNvPr id="1" name=""/>
+        <p:cNvGrpSpPr/>
+        <p:nvPr/>
+      </p:nvGrpSpPr>
+      <p:grpSpPr>
+        <a:xfrm>
+          <a:off x="0" y="0"/>
+          <a:ext cx="0" cy="0"/>
+          <a:chOff x="0" y="0"/>
+          <a:chExt cx="0" cy="0"/>
+        </a:xfrm>
+      </p:grpSpPr>
+      <p:pic>
+        <p:nvPicPr>
+          <p:cNvPr id="5" name="Grafik 4">
+            <a:extLst>
+              <a:ext uri="{FF2B5EF4-FFF2-40B4-BE49-F238E27FC236}">
+                <a16:creationId xmlns:a16="http://schemas.microsoft.com/office/drawing/2014/main" id="{F18072C9-5BB9-4025-9C3C-E8C3E6069C95}"/>
+              </a:ext>
+            </a:extLst>
+          </p:cNvPr>
+          <p:cNvPicPr>
+            <a:picLocks noChangeAspect="1"/>
+          </p:cNvPicPr>
+          <p:nvPr/>
+        </p:nvPicPr>
+        <p:blipFill rotWithShape="1">
+          <a:blip r:embed="rId2"/>
+          <a:srcRect b="49854"/>
+          <a:stretch/>
+        </p:blipFill>
+        <p:spPr>
+          <a:xfrm>
+            <a:off x="342901" y="926388"/>
+            <a:ext cx="5610225" cy="3084716"/>
+          </a:xfrm>
+          <a:prstGeom prst="rect">
+            <a:avLst/>
+          </a:prstGeom>
+        </p:spPr>
+      </p:pic>
+      <p:pic>
+        <p:nvPicPr>
+          <p:cNvPr id="6" name="Grafik 5">
+            <a:extLst>
+              <a:ext uri="{FF2B5EF4-FFF2-40B4-BE49-F238E27FC236}">
+                <a16:creationId xmlns:a16="http://schemas.microsoft.com/office/drawing/2014/main" id="{5B229587-1248-4552-83A1-1FF01C1220E2}"/>
+              </a:ext>
+            </a:extLst>
+          </p:cNvPr>
+          <p:cNvPicPr>
+            <a:picLocks noChangeAspect="1"/>
+          </p:cNvPicPr>
+          <p:nvPr/>
+        </p:nvPicPr>
+        <p:blipFill rotWithShape="1">
+          <a:blip r:embed="rId2"/>
+          <a:srcRect t="50146"/>
+          <a:stretch/>
+        </p:blipFill>
+        <p:spPr>
+          <a:xfrm>
+            <a:off x="6238876" y="2063201"/>
+            <a:ext cx="5610225" cy="3066744"/>
+          </a:xfrm>
+          <a:prstGeom prst="rect">
+            <a:avLst/>
+          </a:prstGeom>
+        </p:spPr>
+      </p:pic>
+    </p:spTree>
+    <p:extLst>
+      <p:ext uri="{BB962C8B-B14F-4D97-AF65-F5344CB8AC3E}">
+        <p14:creationId xmlns:p14="http://schemas.microsoft.com/office/powerpoint/2010/main" val="2955434560"/>
+      </p:ext>
+    </p:extLst>
+  </p:cSld>
+  <p:clrMapOvr>
+    <a:masterClrMapping/>
+  </p:clrMapOvr>
+</p:sld>
+</file>
+
+<file path=ppt/slides/slide8.xml><?xml version="1.0" encoding="utf-8"?>
+<p:sld xmlns:a="http://schemas.openxmlformats.org/drawingml/2006/main" xmlns:r="http://schemas.openxmlformats.org/officeDocument/2006/relationships" xmlns:p="http://schemas.openxmlformats.org/presentationml/2006/main">
+  <p:cSld>
+    <p:spTree>
+      <p:nvGrpSpPr>
+        <p:cNvPr id="1" name=""/>
+        <p:cNvGrpSpPr/>
+        <p:nvPr/>
+      </p:nvGrpSpPr>
+      <p:grpSpPr>
+        <a:xfrm>
+          <a:off x="0" y="0"/>
+          <a:ext cx="0" cy="0"/>
+          <a:chOff x="0" y="0"/>
+          <a:chExt cx="0" cy="0"/>
+        </a:xfrm>
+      </p:grpSpPr>
+      <p:pic>
+        <p:nvPicPr>
+          <p:cNvPr id="4" name="Grafik 3">
+            <a:extLst>
+              <a:ext uri="{FF2B5EF4-FFF2-40B4-BE49-F238E27FC236}">
+                <a16:creationId xmlns:a16="http://schemas.microsoft.com/office/drawing/2014/main" id="{31108D68-7600-4FC6-89BC-D51AC2498E45}"/>
+              </a:ext>
+            </a:extLst>
+          </p:cNvPr>
+          <p:cNvPicPr>
+            <a:picLocks noChangeAspect="1"/>
+          </p:cNvPicPr>
+          <p:nvPr/>
+        </p:nvPicPr>
+        <p:blipFill>
+          <a:blip r:embed="rId2">
+            <a:clrChange>
+              <a:clrFrom>
+                <a:srgbClr val="FFFFFF"/>
+              </a:clrFrom>
+              <a:clrTo>
+                <a:srgbClr val="FFFFFF">
+                  <a:alpha val="0"/>
+                </a:srgbClr>
+              </a:clrTo>
+            </a:clrChange>
+          </a:blip>
+          <a:stretch>
+            <a:fillRect/>
+          </a:stretch>
+        </p:blipFill>
+        <p:spPr>
+          <a:xfrm>
+            <a:off x="0" y="628046"/>
+            <a:ext cx="12192000" cy="5601907"/>
+          </a:xfrm>
+          <a:prstGeom prst="rect">
+            <a:avLst/>
+          </a:prstGeom>
+        </p:spPr>
+      </p:pic>
+    </p:spTree>
+    <p:extLst>
+      <p:ext uri="{BB962C8B-B14F-4D97-AF65-F5344CB8AC3E}">
+        <p14:creationId xmlns:p14="http://schemas.microsoft.com/office/powerpoint/2010/main" val="235631449"/>
+      </p:ext>
+    </p:extLst>
+  </p:cSld>
+  <p:clrMapOvr>
+    <a:masterClrMapping/>
+  </p:clrMapOvr>
+</p:sld>
+</file>
+
 <file path=ppt/theme/theme1.xml><?xml version="1.0" encoding="utf-8"?>
 <a:theme xmlns:a="http://schemas.openxmlformats.org/drawingml/2006/main" name="Office">
   <a:themeElements>
